--- a/README/data/component structure.pptx
+++ b/README/data/component structure.pptx
@@ -244,7 +244,7 @@
           <a:p>
             <a:fld id="{A7C71D54-C944-417A-A5B5-40DB00D6AA7E}" type="datetimeFigureOut">
               <a:rPr lang="ko-KR" altLang="en-US" smtClean="0"/>
-              <a:t>2022-11-21</a:t>
+              <a:t>2022-11-24</a:t>
             </a:fld>
             <a:endParaRPr lang="ko-KR" altLang="en-US"/>
           </a:p>
@@ -414,7 +414,7 @@
           <a:p>
             <a:fld id="{A7C71D54-C944-417A-A5B5-40DB00D6AA7E}" type="datetimeFigureOut">
               <a:rPr lang="ko-KR" altLang="en-US" smtClean="0"/>
-              <a:t>2022-11-21</a:t>
+              <a:t>2022-11-24</a:t>
             </a:fld>
             <a:endParaRPr lang="ko-KR" altLang="en-US"/>
           </a:p>
@@ -594,7 +594,7 @@
           <a:p>
             <a:fld id="{A7C71D54-C944-417A-A5B5-40DB00D6AA7E}" type="datetimeFigureOut">
               <a:rPr lang="ko-KR" altLang="en-US" smtClean="0"/>
-              <a:t>2022-11-21</a:t>
+              <a:t>2022-11-24</a:t>
             </a:fld>
             <a:endParaRPr lang="ko-KR" altLang="en-US"/>
           </a:p>
@@ -764,7 +764,7 @@
           <a:p>
             <a:fld id="{A7C71D54-C944-417A-A5B5-40DB00D6AA7E}" type="datetimeFigureOut">
               <a:rPr lang="ko-KR" altLang="en-US" smtClean="0"/>
-              <a:t>2022-11-21</a:t>
+              <a:t>2022-11-24</a:t>
             </a:fld>
             <a:endParaRPr lang="ko-KR" altLang="en-US"/>
           </a:p>
@@ -1010,7 +1010,7 @@
           <a:p>
             <a:fld id="{A7C71D54-C944-417A-A5B5-40DB00D6AA7E}" type="datetimeFigureOut">
               <a:rPr lang="ko-KR" altLang="en-US" smtClean="0"/>
-              <a:t>2022-11-21</a:t>
+              <a:t>2022-11-24</a:t>
             </a:fld>
             <a:endParaRPr lang="ko-KR" altLang="en-US"/>
           </a:p>
@@ -1242,7 +1242,7 @@
           <a:p>
             <a:fld id="{A7C71D54-C944-417A-A5B5-40DB00D6AA7E}" type="datetimeFigureOut">
               <a:rPr lang="ko-KR" altLang="en-US" smtClean="0"/>
-              <a:t>2022-11-21</a:t>
+              <a:t>2022-11-24</a:t>
             </a:fld>
             <a:endParaRPr lang="ko-KR" altLang="en-US"/>
           </a:p>
@@ -1609,7 +1609,7 @@
           <a:p>
             <a:fld id="{A7C71D54-C944-417A-A5B5-40DB00D6AA7E}" type="datetimeFigureOut">
               <a:rPr lang="ko-KR" altLang="en-US" smtClean="0"/>
-              <a:t>2022-11-21</a:t>
+              <a:t>2022-11-24</a:t>
             </a:fld>
             <a:endParaRPr lang="ko-KR" altLang="en-US"/>
           </a:p>
@@ -1727,7 +1727,7 @@
           <a:p>
             <a:fld id="{A7C71D54-C944-417A-A5B5-40DB00D6AA7E}" type="datetimeFigureOut">
               <a:rPr lang="ko-KR" altLang="en-US" smtClean="0"/>
-              <a:t>2022-11-21</a:t>
+              <a:t>2022-11-24</a:t>
             </a:fld>
             <a:endParaRPr lang="ko-KR" altLang="en-US"/>
           </a:p>
@@ -1822,7 +1822,7 @@
           <a:p>
             <a:fld id="{A7C71D54-C944-417A-A5B5-40DB00D6AA7E}" type="datetimeFigureOut">
               <a:rPr lang="ko-KR" altLang="en-US" smtClean="0"/>
-              <a:t>2022-11-21</a:t>
+              <a:t>2022-11-24</a:t>
             </a:fld>
             <a:endParaRPr lang="ko-KR" altLang="en-US"/>
           </a:p>
@@ -2099,7 +2099,7 @@
           <a:p>
             <a:fld id="{A7C71D54-C944-417A-A5B5-40DB00D6AA7E}" type="datetimeFigureOut">
               <a:rPr lang="ko-KR" altLang="en-US" smtClean="0"/>
-              <a:t>2022-11-21</a:t>
+              <a:t>2022-11-24</a:t>
             </a:fld>
             <a:endParaRPr lang="ko-KR" altLang="en-US"/>
           </a:p>
@@ -2352,7 +2352,7 @@
           <a:p>
             <a:fld id="{A7C71D54-C944-417A-A5B5-40DB00D6AA7E}" type="datetimeFigureOut">
               <a:rPr lang="ko-KR" altLang="en-US" smtClean="0"/>
-              <a:t>2022-11-21</a:t>
+              <a:t>2022-11-24</a:t>
             </a:fld>
             <a:endParaRPr lang="ko-KR" altLang="en-US"/>
           </a:p>
@@ -2565,7 +2565,7 @@
           <a:p>
             <a:fld id="{A7C71D54-C944-417A-A5B5-40DB00D6AA7E}" type="datetimeFigureOut">
               <a:rPr lang="ko-KR" altLang="en-US" smtClean="0"/>
-              <a:t>2022-11-21</a:t>
+              <a:t>2022-11-24</a:t>
             </a:fld>
             <a:endParaRPr lang="ko-KR" altLang="en-US"/>
           </a:p>
@@ -3847,7 +3847,7 @@
         </p:nvSpPr>
         <p:spPr>
           <a:xfrm>
-            <a:off x="5108755" y="3065731"/>
+            <a:off x="4410255" y="3065731"/>
             <a:ext cx="1409197" cy="638828"/>
           </a:xfrm>
           <a:prstGeom prst="rect">
@@ -3917,7 +3917,7 @@
         </p:nvSpPr>
         <p:spPr>
           <a:xfrm>
-            <a:off x="7941463" y="2224177"/>
+            <a:off x="8377869" y="165984"/>
             <a:ext cx="1409197" cy="638828"/>
           </a:xfrm>
           <a:prstGeom prst="rect">
@@ -3987,7 +3987,7 @@
         </p:nvSpPr>
         <p:spPr>
           <a:xfrm>
-            <a:off x="9728268" y="2224177"/>
+            <a:off x="8367256" y="990619"/>
             <a:ext cx="1409197" cy="638828"/>
           </a:xfrm>
           <a:prstGeom prst="rect">
@@ -4057,7 +4057,7 @@
         </p:nvSpPr>
         <p:spPr>
           <a:xfrm>
-            <a:off x="8824277" y="2973477"/>
+            <a:off x="8369892" y="1815254"/>
             <a:ext cx="1409197" cy="638828"/>
           </a:xfrm>
           <a:prstGeom prst="rect">
@@ -4127,7 +4127,7 @@
         </p:nvSpPr>
         <p:spPr>
           <a:xfrm>
-            <a:off x="10633725" y="2973477"/>
+            <a:off x="10056208" y="586132"/>
             <a:ext cx="1409197" cy="638828"/>
           </a:xfrm>
           <a:prstGeom prst="rect">
@@ -4197,7 +4197,7 @@
         </p:nvSpPr>
         <p:spPr>
           <a:xfrm>
-            <a:off x="6614749" y="3062377"/>
+            <a:off x="7269801" y="3062377"/>
             <a:ext cx="1409197" cy="638828"/>
           </a:xfrm>
           <a:prstGeom prst="rect">
@@ -4577,7 +4577,7 @@
         </p:nvSpPr>
         <p:spPr>
           <a:xfrm>
-            <a:off x="3950079" y="4275227"/>
+            <a:off x="3581113" y="4275227"/>
             <a:ext cx="1409197" cy="638828"/>
           </a:xfrm>
           <a:prstGeom prst="rect">
@@ -4647,7 +4647,7 @@
         </p:nvSpPr>
         <p:spPr>
           <a:xfrm>
-            <a:off x="5635353" y="4275227"/>
+            <a:off x="5266387" y="4275227"/>
             <a:ext cx="1409197" cy="638828"/>
           </a:xfrm>
           <a:prstGeom prst="rect">
@@ -5215,7 +5215,7 @@
         </p:nvGrpSpPr>
         <p:grpSpPr>
           <a:xfrm>
-            <a:off x="7766032" y="4230777"/>
+            <a:off x="8408384" y="4230777"/>
             <a:ext cx="1571072" cy="791228"/>
             <a:chOff x="512209" y="5488077"/>
             <a:chExt cx="1479114" cy="791228"/>
@@ -5588,91 +5588,15 @@
       <p:cxnSp>
         <p:nvCxnSpPr>
           <p:cNvPr id="61" name="직선 연결선 60"/>
-          <p:cNvCxnSpPr/>
-          <p:nvPr/>
-        </p:nvCxnSpPr>
-        <p:spPr>
-          <a:xfrm flipH="1">
-            <a:off x="6177182" y="1962411"/>
-            <a:ext cx="5125819" cy="0"/>
-          </a:xfrm>
-          <a:prstGeom prst="line">
-            <a:avLst/>
-          </a:prstGeom>
-          <a:ln w="19050">
-            <a:solidFill>
-              <a:schemeClr val="bg2">
-                <a:lumMod val="25000"/>
-              </a:schemeClr>
-            </a:solidFill>
-          </a:ln>
-        </p:spPr>
-        <p:style>
-          <a:lnRef idx="1">
-            <a:schemeClr val="accent1"/>
-          </a:lnRef>
-          <a:fillRef idx="0">
-            <a:schemeClr val="accent1"/>
-          </a:fillRef>
-          <a:effectRef idx="0">
-            <a:schemeClr val="accent1"/>
-          </a:effectRef>
-          <a:fontRef idx="minor">
-            <a:schemeClr val="tx1"/>
-          </a:fontRef>
-        </p:style>
-      </p:cxnSp>
-      <p:cxnSp>
-        <p:nvCxnSpPr>
-          <p:cNvPr id="63" name="직선 연결선 62"/>
           <p:cNvCxnSpPr>
-            <a:endCxn id="17" idx="0"/>
+            <a:stCxn id="18" idx="1"/>
           </p:cNvCxnSpPr>
           <p:nvPr/>
         </p:nvCxnSpPr>
         <p:spPr>
-          <a:xfrm>
-            <a:off x="8646061" y="1962411"/>
-            <a:ext cx="1" cy="261766"/>
-          </a:xfrm>
-          <a:prstGeom prst="line">
-            <a:avLst/>
-          </a:prstGeom>
-          <a:ln w="19050">
-            <a:solidFill>
-              <a:schemeClr val="bg2">
-                <a:lumMod val="25000"/>
-              </a:schemeClr>
-            </a:solidFill>
-          </a:ln>
-        </p:spPr>
-        <p:style>
-          <a:lnRef idx="1">
-            <a:schemeClr val="accent1"/>
-          </a:lnRef>
-          <a:fillRef idx="0">
-            <a:schemeClr val="accent1"/>
-          </a:fillRef>
-          <a:effectRef idx="0">
-            <a:schemeClr val="accent1"/>
-          </a:effectRef>
-          <a:fontRef idx="minor">
-            <a:schemeClr val="tx1"/>
-          </a:fontRef>
-        </p:style>
-      </p:cxnSp>
-      <p:cxnSp>
-        <p:nvCxnSpPr>
-          <p:cNvPr id="67" name="직선 연결선 66"/>
-          <p:cNvCxnSpPr>
-            <a:endCxn id="18" idx="0"/>
-          </p:cNvCxnSpPr>
-          <p:nvPr/>
-        </p:nvCxnSpPr>
-        <p:spPr>
-          <a:xfrm>
-            <a:off x="10432866" y="1962411"/>
-            <a:ext cx="1" cy="261766"/>
+          <a:xfrm flipH="1">
+            <a:off x="6886929" y="1310033"/>
+            <a:ext cx="1480327" cy="0"/>
           </a:xfrm>
           <a:prstGeom prst="line">
             <a:avLst/>
@@ -5708,8 +5632,8 @@
         </p:nvCxnSpPr>
         <p:spPr>
           <a:xfrm>
-            <a:off x="9533761" y="1951388"/>
-            <a:ext cx="1301" cy="1022089"/>
+            <a:off x="7668742" y="492012"/>
+            <a:ext cx="0" cy="1625174"/>
           </a:xfrm>
           <a:prstGeom prst="line">
             <a:avLst/>
@@ -5740,13 +5664,15 @@
       <p:cxnSp>
         <p:nvCxnSpPr>
           <p:cNvPr id="72" name="직선 연결선 71"/>
-          <p:cNvCxnSpPr/>
+          <p:cNvCxnSpPr>
+            <a:endCxn id="17" idx="1"/>
+          </p:cNvCxnSpPr>
           <p:nvPr/>
         </p:nvCxnSpPr>
         <p:spPr>
           <a:xfrm>
-            <a:off x="11299343" y="1951387"/>
-            <a:ext cx="1301" cy="1022089"/>
+            <a:off x="7663594" y="485398"/>
+            <a:ext cx="714275" cy="0"/>
           </a:xfrm>
           <a:prstGeom prst="line">
             <a:avLst/>
@@ -5784,8 +5710,8 @@
         </p:nvCxnSpPr>
         <p:spPr>
           <a:xfrm flipH="1">
-            <a:off x="6177182" y="1773825"/>
-            <a:ext cx="5149" cy="1288552"/>
+            <a:off x="6177183" y="1773825"/>
+            <a:ext cx="0" cy="918838"/>
           </a:xfrm>
           <a:prstGeom prst="line">
             <a:avLst/>
@@ -5934,8 +5860,8 @@
         </p:nvCxnSpPr>
         <p:spPr>
           <a:xfrm flipH="1">
-            <a:off x="6177182" y="2692663"/>
-            <a:ext cx="1142165" cy="0"/>
+            <a:off x="6177183" y="2680270"/>
+            <a:ext cx="4987529" cy="12393"/>
           </a:xfrm>
           <a:prstGeom prst="line">
             <a:avLst/>
@@ -5971,7 +5897,7 @@
         </p:nvCxnSpPr>
         <p:spPr>
           <a:xfrm>
-            <a:off x="7321709" y="2684737"/>
+            <a:off x="7976761" y="2684737"/>
             <a:ext cx="1" cy="388800"/>
           </a:xfrm>
           <a:prstGeom prst="line">
@@ -6008,7 +5934,7 @@
         </p:nvCxnSpPr>
         <p:spPr>
           <a:xfrm>
-            <a:off x="5813353" y="3701205"/>
+            <a:off x="5114853" y="3701205"/>
             <a:ext cx="1" cy="252000"/>
           </a:xfrm>
           <a:prstGeom prst="line">
@@ -6045,7 +5971,7 @@
         </p:nvCxnSpPr>
         <p:spPr>
           <a:xfrm flipH="1">
-            <a:off x="4654677" y="3950813"/>
+            <a:off x="4285711" y="3950813"/>
             <a:ext cx="1684743" cy="2722"/>
           </a:xfrm>
           <a:prstGeom prst="line">
@@ -6082,7 +6008,7 @@
         </p:nvCxnSpPr>
         <p:spPr>
           <a:xfrm>
-            <a:off x="4654677" y="3950813"/>
+            <a:off x="4285711" y="3950813"/>
             <a:ext cx="1" cy="324000"/>
           </a:xfrm>
           <a:prstGeom prst="line">
@@ -6119,7 +6045,7 @@
         </p:nvCxnSpPr>
         <p:spPr>
           <a:xfrm>
-            <a:off x="6340225" y="3950813"/>
+            <a:off x="5971259" y="3950813"/>
             <a:ext cx="1" cy="324000"/>
           </a:xfrm>
           <a:prstGeom prst="line">
@@ -6156,7 +6082,7 @@
         </p:nvCxnSpPr>
         <p:spPr>
           <a:xfrm>
-            <a:off x="7325478" y="3702214"/>
+            <a:off x="7980530" y="3702214"/>
             <a:ext cx="1" cy="252000"/>
           </a:xfrm>
           <a:prstGeom prst="line">
@@ -6192,9 +6118,9 @@
           <p:nvPr/>
         </p:nvCxnSpPr>
         <p:spPr>
-          <a:xfrm flipH="1">
-            <a:off x="7319346" y="3957426"/>
-            <a:ext cx="1152000" cy="0"/>
+          <a:xfrm flipH="1" flipV="1">
+            <a:off x="7589158" y="3954084"/>
+            <a:ext cx="1545069" cy="0"/>
           </a:xfrm>
           <a:prstGeom prst="line">
             <a:avLst/>
@@ -6225,14 +6151,12 @@
       <p:cxnSp>
         <p:nvCxnSpPr>
           <p:cNvPr id="98" name="직선 연결선 97"/>
-          <p:cNvCxnSpPr>
-            <a:endCxn id="51" idx="0"/>
-          </p:cNvCxnSpPr>
+          <p:cNvCxnSpPr/>
           <p:nvPr/>
         </p:nvCxnSpPr>
         <p:spPr>
           <a:xfrm>
-            <a:off x="8470292" y="3950813"/>
+            <a:off x="9125344" y="3950813"/>
             <a:ext cx="339" cy="279964"/>
           </a:xfrm>
           <a:prstGeom prst="line">
@@ -6567,7 +6491,7 @@
         </p:nvCxnSpPr>
         <p:spPr>
           <a:xfrm flipH="1">
-            <a:off x="6358470" y="4911174"/>
+            <a:off x="6518891" y="4911174"/>
             <a:ext cx="1003" cy="213276"/>
           </a:xfrm>
           <a:prstGeom prst="line">
@@ -6682,6 +6606,924 @@
           <a:xfrm>
             <a:off x="6362064" y="5107542"/>
             <a:ext cx="1848" cy="378209"/>
+          </a:xfrm>
+          <a:prstGeom prst="line">
+            <a:avLst/>
+          </a:prstGeom>
+          <a:ln w="19050">
+            <a:solidFill>
+              <a:schemeClr val="bg2">
+                <a:lumMod val="25000"/>
+              </a:schemeClr>
+            </a:solidFill>
+          </a:ln>
+        </p:spPr>
+        <p:style>
+          <a:lnRef idx="1">
+            <a:schemeClr val="accent1"/>
+          </a:lnRef>
+          <a:fillRef idx="0">
+            <a:schemeClr val="accent1"/>
+          </a:fillRef>
+          <a:effectRef idx="0">
+            <a:schemeClr val="accent1"/>
+          </a:effectRef>
+          <a:fontRef idx="minor">
+            <a:schemeClr val="tx1"/>
+          </a:fontRef>
+        </p:style>
+      </p:cxnSp>
+      <p:sp>
+        <p:nvSpPr>
+          <p:cNvPr id="74" name="직사각형 73"/>
+          <p:cNvSpPr/>
+          <p:nvPr/>
+        </p:nvSpPr>
+        <p:spPr>
+          <a:xfrm>
+            <a:off x="10056207" y="1398148"/>
+            <a:ext cx="1409197" cy="638828"/>
+          </a:xfrm>
+          <a:prstGeom prst="rect">
+            <a:avLst/>
+          </a:prstGeom>
+          <a:solidFill>
+            <a:schemeClr val="bg1"/>
+          </a:solidFill>
+          <a:ln w="19050">
+            <a:solidFill>
+              <a:schemeClr val="bg2">
+                <a:lumMod val="25000"/>
+              </a:schemeClr>
+            </a:solidFill>
+          </a:ln>
+        </p:spPr>
+        <p:style>
+          <a:lnRef idx="2">
+            <a:schemeClr val="accent1">
+              <a:shade val="50000"/>
+            </a:schemeClr>
+          </a:lnRef>
+          <a:fillRef idx="1">
+            <a:schemeClr val="accent1"/>
+          </a:fillRef>
+          <a:effectRef idx="0">
+            <a:schemeClr val="accent1"/>
+          </a:effectRef>
+          <a:fontRef idx="minor">
+            <a:schemeClr val="lt1"/>
+          </a:fontRef>
+        </p:style>
+        <p:txBody>
+          <a:bodyPr rtlCol="0" anchor="ctr"/>
+          <a:lstStyle/>
+          <a:p>
+            <a:pPr algn="ctr"/>
+            <a:r>
+              <a:rPr lang="en-US" altLang="ko-KR" sz="1400" b="1" dirty="0" err="1" smtClean="0">
+                <a:solidFill>
+                  <a:schemeClr val="bg2">
+                    <a:lumMod val="25000"/>
+                  </a:schemeClr>
+                </a:solidFill>
+                <a:latin typeface="Arial" panose="020B0604020202020204" pitchFamily="34" charset="0"/>
+                <a:cs typeface="Arial" panose="020B0604020202020204" pitchFamily="34" charset="0"/>
+              </a:rPr>
+              <a:t>Home</a:t>
+            </a:r>
+            <a:r>
+              <a:rPr lang="en-US" altLang="ko-KR" sz="1400" b="1" dirty="0" err="1" smtClean="0">
+                <a:solidFill>
+                  <a:schemeClr val="bg2">
+                    <a:lumMod val="25000"/>
+                  </a:schemeClr>
+                </a:solidFill>
+                <a:latin typeface="Arial" panose="020B0604020202020204" pitchFamily="34" charset="0"/>
+                <a:cs typeface="Arial" panose="020B0604020202020204" pitchFamily="34" charset="0"/>
+              </a:rPr>
+              <a:t>View</a:t>
+            </a:r>
+            <a:endParaRPr lang="ko-KR" altLang="en-US" sz="1400" b="1" dirty="0">
+              <a:solidFill>
+                <a:schemeClr val="bg2">
+                  <a:lumMod val="25000"/>
+                </a:schemeClr>
+              </a:solidFill>
+              <a:latin typeface="Arial" panose="020B0604020202020204" pitchFamily="34" charset="0"/>
+              <a:cs typeface="Arial" panose="020B0604020202020204" pitchFamily="34" charset="0"/>
+            </a:endParaRPr>
+          </a:p>
+        </p:txBody>
+      </p:sp>
+      <p:cxnSp>
+        <p:nvCxnSpPr>
+          <p:cNvPr id="81" name="직선 연결선 80"/>
+          <p:cNvCxnSpPr>
+            <a:endCxn id="19" idx="1"/>
+          </p:cNvCxnSpPr>
+          <p:nvPr/>
+        </p:nvCxnSpPr>
+        <p:spPr>
+          <a:xfrm>
+            <a:off x="7673271" y="2134668"/>
+            <a:ext cx="696621" cy="0"/>
+          </a:xfrm>
+          <a:prstGeom prst="line">
+            <a:avLst/>
+          </a:prstGeom>
+          <a:ln w="19050">
+            <a:solidFill>
+              <a:schemeClr val="bg2">
+                <a:lumMod val="25000"/>
+              </a:schemeClr>
+            </a:solidFill>
+          </a:ln>
+        </p:spPr>
+        <p:style>
+          <a:lnRef idx="1">
+            <a:schemeClr val="accent1"/>
+          </a:lnRef>
+          <a:fillRef idx="0">
+            <a:schemeClr val="accent1"/>
+          </a:fillRef>
+          <a:effectRef idx="0">
+            <a:schemeClr val="accent1"/>
+          </a:effectRef>
+          <a:fontRef idx="minor">
+            <a:schemeClr val="tx1"/>
+          </a:fontRef>
+        </p:style>
+      </p:cxnSp>
+      <p:cxnSp>
+        <p:nvCxnSpPr>
+          <p:cNvPr id="84" name="직선 연결선 83"/>
+          <p:cNvCxnSpPr>
+            <a:endCxn id="74" idx="1"/>
+          </p:cNvCxnSpPr>
+          <p:nvPr/>
+        </p:nvCxnSpPr>
+        <p:spPr>
+          <a:xfrm>
+            <a:off x="7663594" y="1712854"/>
+            <a:ext cx="2392613" cy="4708"/>
+          </a:xfrm>
+          <a:prstGeom prst="line">
+            <a:avLst/>
+          </a:prstGeom>
+          <a:ln w="19050">
+            <a:solidFill>
+              <a:schemeClr val="bg2">
+                <a:lumMod val="25000"/>
+              </a:schemeClr>
+            </a:solidFill>
+          </a:ln>
+        </p:spPr>
+        <p:style>
+          <a:lnRef idx="1">
+            <a:schemeClr val="accent1"/>
+          </a:lnRef>
+          <a:fillRef idx="0">
+            <a:schemeClr val="accent1"/>
+          </a:fillRef>
+          <a:effectRef idx="0">
+            <a:schemeClr val="accent1"/>
+          </a:effectRef>
+          <a:fontRef idx="minor">
+            <a:schemeClr val="tx1"/>
+          </a:fontRef>
+        </p:style>
+      </p:cxnSp>
+      <p:cxnSp>
+        <p:nvCxnSpPr>
+          <p:cNvPr id="87" name="직선 연결선 86"/>
+          <p:cNvCxnSpPr/>
+          <p:nvPr/>
+        </p:nvCxnSpPr>
+        <p:spPr>
+          <a:xfrm>
+            <a:off x="7673271" y="902504"/>
+            <a:ext cx="2392613" cy="4708"/>
+          </a:xfrm>
+          <a:prstGeom prst="line">
+            <a:avLst/>
+          </a:prstGeom>
+          <a:ln w="19050">
+            <a:solidFill>
+              <a:schemeClr val="bg2">
+                <a:lumMod val="25000"/>
+              </a:schemeClr>
+            </a:solidFill>
+          </a:ln>
+        </p:spPr>
+        <p:style>
+          <a:lnRef idx="1">
+            <a:schemeClr val="accent1"/>
+          </a:lnRef>
+          <a:fillRef idx="0">
+            <a:schemeClr val="accent1"/>
+          </a:fillRef>
+          <a:effectRef idx="0">
+            <a:schemeClr val="accent1"/>
+          </a:effectRef>
+          <a:fontRef idx="minor">
+            <a:schemeClr val="tx1"/>
+          </a:fontRef>
+        </p:style>
+      </p:cxnSp>
+      <p:cxnSp>
+        <p:nvCxnSpPr>
+          <p:cNvPr id="92" name="직선 연결선 91"/>
+          <p:cNvCxnSpPr/>
+          <p:nvPr/>
+        </p:nvCxnSpPr>
+        <p:spPr>
+          <a:xfrm>
+            <a:off x="7596826" y="3954084"/>
+            <a:ext cx="0" cy="288000"/>
+          </a:xfrm>
+          <a:prstGeom prst="line">
+            <a:avLst/>
+          </a:prstGeom>
+          <a:ln w="19050">
+            <a:solidFill>
+              <a:schemeClr val="bg2">
+                <a:lumMod val="25000"/>
+              </a:schemeClr>
+            </a:solidFill>
+          </a:ln>
+        </p:spPr>
+        <p:style>
+          <a:lnRef idx="1">
+            <a:schemeClr val="accent1"/>
+          </a:lnRef>
+          <a:fillRef idx="0">
+            <a:schemeClr val="accent1"/>
+          </a:fillRef>
+          <a:effectRef idx="0">
+            <a:schemeClr val="accent1"/>
+          </a:effectRef>
+          <a:fontRef idx="minor">
+            <a:schemeClr val="tx1"/>
+          </a:fontRef>
+        </p:style>
+      </p:cxnSp>
+      <p:grpSp>
+        <p:nvGrpSpPr>
+          <p:cNvPr id="93" name="그룹 92"/>
+          <p:cNvGrpSpPr/>
+          <p:nvPr/>
+        </p:nvGrpSpPr>
+        <p:grpSpPr>
+          <a:xfrm>
+            <a:off x="10460113" y="5807491"/>
+            <a:ext cx="1571072" cy="791228"/>
+            <a:chOff x="512209" y="5488077"/>
+            <a:chExt cx="1479114" cy="791228"/>
+          </a:xfrm>
+        </p:grpSpPr>
+        <p:sp>
+          <p:nvSpPr>
+            <p:cNvPr id="95" name="직사각형 94"/>
+            <p:cNvSpPr/>
+            <p:nvPr/>
+          </p:nvSpPr>
+          <p:spPr>
+            <a:xfrm>
+              <a:off x="512209" y="5488077"/>
+              <a:ext cx="1326714" cy="638828"/>
+            </a:xfrm>
+            <a:prstGeom prst="rect">
+              <a:avLst/>
+            </a:prstGeom>
+            <a:solidFill>
+              <a:schemeClr val="bg1"/>
+            </a:solidFill>
+            <a:ln w="19050">
+              <a:solidFill>
+                <a:schemeClr val="bg2">
+                  <a:lumMod val="25000"/>
+                </a:schemeClr>
+              </a:solidFill>
+            </a:ln>
+          </p:spPr>
+          <p:style>
+            <a:lnRef idx="2">
+              <a:schemeClr val="accent1">
+                <a:shade val="50000"/>
+              </a:schemeClr>
+            </a:lnRef>
+            <a:fillRef idx="1">
+              <a:schemeClr val="accent1"/>
+            </a:fillRef>
+            <a:effectRef idx="0">
+              <a:schemeClr val="accent1"/>
+            </a:effectRef>
+            <a:fontRef idx="minor">
+              <a:schemeClr val="lt1"/>
+            </a:fontRef>
+          </p:style>
+          <p:txBody>
+            <a:bodyPr rtlCol="0" anchor="ctr"/>
+            <a:lstStyle/>
+            <a:p>
+              <a:pPr algn="ctr"/>
+              <a:r>
+                <a:rPr lang="en-US" altLang="ko-KR" sz="1400" b="1" dirty="0" err="1" smtClean="0">
+                  <a:solidFill>
+                    <a:schemeClr val="bg2">
+                      <a:lumMod val="25000"/>
+                    </a:schemeClr>
+                  </a:solidFill>
+                  <a:latin typeface="Arial" panose="020B0604020202020204" pitchFamily="34" charset="0"/>
+                  <a:cs typeface="Arial" panose="020B0604020202020204" pitchFamily="34" charset="0"/>
+                </a:rPr>
+                <a:t>MovieCard</a:t>
+              </a:r>
+              <a:endParaRPr lang="ko-KR" altLang="en-US" sz="1400" b="1" dirty="0">
+                <a:solidFill>
+                  <a:schemeClr val="bg2">
+                    <a:lumMod val="25000"/>
+                  </a:schemeClr>
+                </a:solidFill>
+                <a:latin typeface="Arial" panose="020B0604020202020204" pitchFamily="34" charset="0"/>
+                <a:cs typeface="Arial" panose="020B0604020202020204" pitchFamily="34" charset="0"/>
+              </a:endParaRPr>
+            </a:p>
+          </p:txBody>
+        </p:sp>
+        <p:sp>
+          <p:nvSpPr>
+            <p:cNvPr id="99" name="직사각형 98"/>
+            <p:cNvSpPr/>
+            <p:nvPr/>
+          </p:nvSpPr>
+          <p:spPr>
+            <a:xfrm>
+              <a:off x="588409" y="5564277"/>
+              <a:ext cx="1326714" cy="638828"/>
+            </a:xfrm>
+            <a:prstGeom prst="rect">
+              <a:avLst/>
+            </a:prstGeom>
+            <a:solidFill>
+              <a:schemeClr val="bg1"/>
+            </a:solidFill>
+            <a:ln w="19050">
+              <a:solidFill>
+                <a:schemeClr val="bg2">
+                  <a:lumMod val="25000"/>
+                </a:schemeClr>
+              </a:solidFill>
+            </a:ln>
+          </p:spPr>
+          <p:style>
+            <a:lnRef idx="2">
+              <a:schemeClr val="accent1">
+                <a:shade val="50000"/>
+              </a:schemeClr>
+            </a:lnRef>
+            <a:fillRef idx="1">
+              <a:schemeClr val="accent1"/>
+            </a:fillRef>
+            <a:effectRef idx="0">
+              <a:schemeClr val="accent1"/>
+            </a:effectRef>
+            <a:fontRef idx="minor">
+              <a:schemeClr val="lt1"/>
+            </a:fontRef>
+          </p:style>
+          <p:txBody>
+            <a:bodyPr rtlCol="0" anchor="ctr"/>
+            <a:lstStyle/>
+            <a:p>
+              <a:pPr algn="ctr"/>
+              <a:r>
+                <a:rPr lang="en-US" altLang="ko-KR" sz="1400" b="1" dirty="0" err="1" smtClean="0">
+                  <a:solidFill>
+                    <a:schemeClr val="bg2">
+                      <a:lumMod val="25000"/>
+                    </a:schemeClr>
+                  </a:solidFill>
+                  <a:latin typeface="Arial" panose="020B0604020202020204" pitchFamily="34" charset="0"/>
+                  <a:cs typeface="Arial" panose="020B0604020202020204" pitchFamily="34" charset="0"/>
+                </a:rPr>
+                <a:t>MovieCard</a:t>
+              </a:r>
+              <a:endParaRPr lang="ko-KR" altLang="en-US" sz="1400" b="1" dirty="0">
+                <a:solidFill>
+                  <a:schemeClr val="bg2">
+                    <a:lumMod val="25000"/>
+                  </a:schemeClr>
+                </a:solidFill>
+                <a:latin typeface="Arial" panose="020B0604020202020204" pitchFamily="34" charset="0"/>
+                <a:cs typeface="Arial" panose="020B0604020202020204" pitchFamily="34" charset="0"/>
+              </a:endParaRPr>
+            </a:p>
+          </p:txBody>
+        </p:sp>
+        <p:sp>
+          <p:nvSpPr>
+            <p:cNvPr id="100" name="직사각형 99"/>
+            <p:cNvSpPr/>
+            <p:nvPr/>
+          </p:nvSpPr>
+          <p:spPr>
+            <a:xfrm>
+              <a:off x="664609" y="5640477"/>
+              <a:ext cx="1326714" cy="638828"/>
+            </a:xfrm>
+            <a:prstGeom prst="rect">
+              <a:avLst/>
+            </a:prstGeom>
+            <a:solidFill>
+              <a:schemeClr val="bg1"/>
+            </a:solidFill>
+            <a:ln w="19050">
+              <a:solidFill>
+                <a:schemeClr val="bg2">
+                  <a:lumMod val="25000"/>
+                </a:schemeClr>
+              </a:solidFill>
+            </a:ln>
+          </p:spPr>
+          <p:style>
+            <a:lnRef idx="2">
+              <a:schemeClr val="accent1">
+                <a:shade val="50000"/>
+              </a:schemeClr>
+            </a:lnRef>
+            <a:fillRef idx="1">
+              <a:schemeClr val="accent1"/>
+            </a:fillRef>
+            <a:effectRef idx="0">
+              <a:schemeClr val="accent1"/>
+            </a:effectRef>
+            <a:fontRef idx="minor">
+              <a:schemeClr val="lt1"/>
+            </a:fontRef>
+          </p:style>
+          <p:txBody>
+            <a:bodyPr rtlCol="0" anchor="ctr"/>
+            <a:lstStyle/>
+            <a:p>
+              <a:pPr algn="ctr"/>
+              <a:r>
+                <a:rPr lang="en-US" altLang="ko-KR" sz="1400" b="1" dirty="0" smtClean="0">
+                  <a:solidFill>
+                    <a:schemeClr val="bg2">
+                      <a:lumMod val="25000"/>
+                    </a:schemeClr>
+                  </a:solidFill>
+                  <a:latin typeface="Arial" panose="020B0604020202020204" pitchFamily="34" charset="0"/>
+                  <a:cs typeface="Arial" panose="020B0604020202020204" pitchFamily="34" charset="0"/>
+                </a:rPr>
+                <a:t>Search</a:t>
+              </a:r>
+            </a:p>
+            <a:p>
+              <a:pPr algn="ctr"/>
+              <a:r>
+                <a:rPr lang="en-US" altLang="ko-KR" sz="1400" b="1" dirty="0" smtClean="0">
+                  <a:solidFill>
+                    <a:schemeClr val="bg2">
+                      <a:lumMod val="25000"/>
+                    </a:schemeClr>
+                  </a:solidFill>
+                  <a:latin typeface="Arial" panose="020B0604020202020204" pitchFamily="34" charset="0"/>
+                  <a:cs typeface="Arial" panose="020B0604020202020204" pitchFamily="34" charset="0"/>
+                </a:rPr>
+                <a:t>Results</a:t>
+              </a:r>
+              <a:endParaRPr lang="ko-KR" altLang="en-US" sz="1400" b="1" dirty="0">
+                <a:solidFill>
+                  <a:schemeClr val="bg2">
+                    <a:lumMod val="25000"/>
+                  </a:schemeClr>
+                </a:solidFill>
+                <a:latin typeface="Arial" panose="020B0604020202020204" pitchFamily="34" charset="0"/>
+                <a:cs typeface="Arial" panose="020B0604020202020204" pitchFamily="34" charset="0"/>
+              </a:endParaRPr>
+            </a:p>
+          </p:txBody>
+        </p:sp>
+      </p:grpSp>
+      <p:sp>
+        <p:nvSpPr>
+          <p:cNvPr id="104" name="직사각형 103"/>
+          <p:cNvSpPr/>
+          <p:nvPr/>
+        </p:nvSpPr>
+        <p:spPr>
+          <a:xfrm>
+            <a:off x="6907109" y="4250854"/>
+            <a:ext cx="1409197" cy="638828"/>
+          </a:xfrm>
+          <a:prstGeom prst="rect">
+            <a:avLst/>
+          </a:prstGeom>
+          <a:solidFill>
+            <a:schemeClr val="bg1"/>
+          </a:solidFill>
+          <a:ln w="19050">
+            <a:solidFill>
+              <a:schemeClr val="bg2">
+                <a:lumMod val="25000"/>
+              </a:schemeClr>
+            </a:solidFill>
+          </a:ln>
+        </p:spPr>
+        <p:style>
+          <a:lnRef idx="2">
+            <a:schemeClr val="accent1">
+              <a:shade val="50000"/>
+            </a:schemeClr>
+          </a:lnRef>
+          <a:fillRef idx="1">
+            <a:schemeClr val="accent1"/>
+          </a:fillRef>
+          <a:effectRef idx="0">
+            <a:schemeClr val="accent1"/>
+          </a:effectRef>
+          <a:fontRef idx="minor">
+            <a:schemeClr val="lt1"/>
+          </a:fontRef>
+        </p:style>
+        <p:txBody>
+          <a:bodyPr rtlCol="0" anchor="ctr"/>
+          <a:lstStyle/>
+          <a:p>
+            <a:pPr algn="ctr"/>
+            <a:r>
+              <a:rPr lang="en-US" altLang="ko-KR" sz="1400" b="1" dirty="0" err="1" smtClean="0">
+                <a:solidFill>
+                  <a:schemeClr val="bg2">
+                    <a:lumMod val="25000"/>
+                  </a:schemeClr>
+                </a:solidFill>
+                <a:latin typeface="Arial" panose="020B0604020202020204" pitchFamily="34" charset="0"/>
+                <a:cs typeface="Arial" panose="020B0604020202020204" pitchFamily="34" charset="0"/>
+              </a:rPr>
+              <a:t>ageBarView</a:t>
+            </a:r>
+            <a:endParaRPr lang="ko-KR" altLang="en-US" sz="1400" b="1" dirty="0">
+              <a:solidFill>
+                <a:schemeClr val="bg2">
+                  <a:lumMod val="25000"/>
+                </a:schemeClr>
+              </a:solidFill>
+              <a:latin typeface="Arial" panose="020B0604020202020204" pitchFamily="34" charset="0"/>
+              <a:cs typeface="Arial" panose="020B0604020202020204" pitchFamily="34" charset="0"/>
+            </a:endParaRPr>
+          </a:p>
+        </p:txBody>
+      </p:sp>
+      <p:cxnSp>
+        <p:nvCxnSpPr>
+          <p:cNvPr id="105" name="직선 연결선 104"/>
+          <p:cNvCxnSpPr/>
+          <p:nvPr/>
+        </p:nvCxnSpPr>
+        <p:spPr>
+          <a:xfrm>
+            <a:off x="11169652" y="2673577"/>
+            <a:ext cx="1" cy="388800"/>
+          </a:xfrm>
+          <a:prstGeom prst="line">
+            <a:avLst/>
+          </a:prstGeom>
+          <a:ln w="19050">
+            <a:solidFill>
+              <a:schemeClr val="bg2">
+                <a:lumMod val="25000"/>
+              </a:schemeClr>
+            </a:solidFill>
+          </a:ln>
+        </p:spPr>
+        <p:style>
+          <a:lnRef idx="1">
+            <a:schemeClr val="accent1"/>
+          </a:lnRef>
+          <a:fillRef idx="0">
+            <a:schemeClr val="accent1"/>
+          </a:fillRef>
+          <a:effectRef idx="0">
+            <a:schemeClr val="accent1"/>
+          </a:effectRef>
+          <a:fontRef idx="minor">
+            <a:schemeClr val="tx1"/>
+          </a:fontRef>
+        </p:style>
+      </p:cxnSp>
+      <p:sp>
+        <p:nvSpPr>
+          <p:cNvPr id="106" name="직사각형 105"/>
+          <p:cNvSpPr/>
+          <p:nvPr/>
+        </p:nvSpPr>
+        <p:spPr>
+          <a:xfrm>
+            <a:off x="10460113" y="3047909"/>
+            <a:ext cx="1409197" cy="638828"/>
+          </a:xfrm>
+          <a:prstGeom prst="rect">
+            <a:avLst/>
+          </a:prstGeom>
+          <a:solidFill>
+            <a:schemeClr val="bg1"/>
+          </a:solidFill>
+          <a:ln w="19050">
+            <a:solidFill>
+              <a:schemeClr val="bg2">
+                <a:lumMod val="25000"/>
+              </a:schemeClr>
+            </a:solidFill>
+          </a:ln>
+        </p:spPr>
+        <p:style>
+          <a:lnRef idx="2">
+            <a:schemeClr val="accent1">
+              <a:shade val="50000"/>
+            </a:schemeClr>
+          </a:lnRef>
+          <a:fillRef idx="1">
+            <a:schemeClr val="accent1"/>
+          </a:fillRef>
+          <a:effectRef idx="0">
+            <a:schemeClr val="accent1"/>
+          </a:effectRef>
+          <a:fontRef idx="minor">
+            <a:schemeClr val="lt1"/>
+          </a:fontRef>
+        </p:style>
+        <p:txBody>
+          <a:bodyPr rtlCol="0" anchor="ctr"/>
+          <a:lstStyle/>
+          <a:p>
+            <a:pPr algn="ctr"/>
+            <a:r>
+              <a:rPr lang="en-US" altLang="ko-KR" sz="1400" b="1" dirty="0" err="1" smtClean="0">
+                <a:solidFill>
+                  <a:schemeClr val="bg2">
+                    <a:lumMod val="25000"/>
+                  </a:schemeClr>
+                </a:solidFill>
+                <a:latin typeface="Arial" panose="020B0604020202020204" pitchFamily="34" charset="0"/>
+                <a:cs typeface="Arial" panose="020B0604020202020204" pitchFamily="34" charset="0"/>
+              </a:rPr>
+              <a:t>Reviews</a:t>
+            </a:r>
+            <a:r>
+              <a:rPr lang="en-US" altLang="ko-KR" sz="1400" b="1" dirty="0" err="1" smtClean="0">
+                <a:solidFill>
+                  <a:schemeClr val="bg2">
+                    <a:lumMod val="25000"/>
+                  </a:schemeClr>
+                </a:solidFill>
+                <a:latin typeface="Arial" panose="020B0604020202020204" pitchFamily="34" charset="0"/>
+                <a:cs typeface="Arial" panose="020B0604020202020204" pitchFamily="34" charset="0"/>
+              </a:rPr>
+              <a:t>View</a:t>
+            </a:r>
+            <a:endParaRPr lang="ko-KR" altLang="en-US" sz="1400" b="1" dirty="0">
+              <a:solidFill>
+                <a:schemeClr val="bg2">
+                  <a:lumMod val="25000"/>
+                </a:schemeClr>
+              </a:solidFill>
+              <a:latin typeface="Arial" panose="020B0604020202020204" pitchFamily="34" charset="0"/>
+              <a:cs typeface="Arial" panose="020B0604020202020204" pitchFamily="34" charset="0"/>
+            </a:endParaRPr>
+          </a:p>
+        </p:txBody>
+      </p:sp>
+      <p:cxnSp>
+        <p:nvCxnSpPr>
+          <p:cNvPr id="108" name="직선 연결선 107"/>
+          <p:cNvCxnSpPr/>
+          <p:nvPr/>
+        </p:nvCxnSpPr>
+        <p:spPr>
+          <a:xfrm>
+            <a:off x="5128082" y="2684737"/>
+            <a:ext cx="1" cy="388800"/>
+          </a:xfrm>
+          <a:prstGeom prst="line">
+            <a:avLst/>
+          </a:prstGeom>
+          <a:ln w="19050">
+            <a:solidFill>
+              <a:schemeClr val="bg2">
+                <a:lumMod val="25000"/>
+              </a:schemeClr>
+            </a:solidFill>
+          </a:ln>
+        </p:spPr>
+        <p:style>
+          <a:lnRef idx="1">
+            <a:schemeClr val="accent1"/>
+          </a:lnRef>
+          <a:fillRef idx="0">
+            <a:schemeClr val="accent1"/>
+          </a:fillRef>
+          <a:effectRef idx="0">
+            <a:schemeClr val="accent1"/>
+          </a:effectRef>
+          <a:fontRef idx="minor">
+            <a:schemeClr val="tx1"/>
+          </a:fontRef>
+        </p:style>
+      </p:cxnSp>
+      <p:sp>
+        <p:nvSpPr>
+          <p:cNvPr id="110" name="직사각형 109"/>
+          <p:cNvSpPr/>
+          <p:nvPr/>
+        </p:nvSpPr>
+        <p:spPr>
+          <a:xfrm>
+            <a:off x="10056207" y="4377944"/>
+            <a:ext cx="1409197" cy="638828"/>
+          </a:xfrm>
+          <a:prstGeom prst="rect">
+            <a:avLst/>
+          </a:prstGeom>
+          <a:solidFill>
+            <a:schemeClr val="bg1"/>
+          </a:solidFill>
+          <a:ln w="19050">
+            <a:solidFill>
+              <a:schemeClr val="bg2">
+                <a:lumMod val="25000"/>
+              </a:schemeClr>
+            </a:solidFill>
+          </a:ln>
+        </p:spPr>
+        <p:style>
+          <a:lnRef idx="2">
+            <a:schemeClr val="accent1">
+              <a:shade val="50000"/>
+            </a:schemeClr>
+          </a:lnRef>
+          <a:fillRef idx="1">
+            <a:schemeClr val="accent1"/>
+          </a:fillRef>
+          <a:effectRef idx="0">
+            <a:schemeClr val="accent1"/>
+          </a:effectRef>
+          <a:fontRef idx="minor">
+            <a:schemeClr val="lt1"/>
+          </a:fontRef>
+        </p:style>
+        <p:txBody>
+          <a:bodyPr rtlCol="0" anchor="ctr"/>
+          <a:lstStyle/>
+          <a:p>
+            <a:pPr algn="ctr"/>
+            <a:r>
+              <a:rPr lang="en-US" altLang="ko-KR" sz="1400" b="1" dirty="0" err="1" smtClean="0">
+                <a:solidFill>
+                  <a:schemeClr val="bg2">
+                    <a:lumMod val="25000"/>
+                  </a:schemeClr>
+                </a:solidFill>
+                <a:latin typeface="Arial" panose="020B0604020202020204" pitchFamily="34" charset="0"/>
+                <a:cs typeface="Arial" panose="020B0604020202020204" pitchFamily="34" charset="0"/>
+              </a:rPr>
+              <a:t>ReviewsList</a:t>
+            </a:r>
+            <a:endParaRPr lang="ko-KR" altLang="en-US" sz="1400" b="1" dirty="0">
+              <a:solidFill>
+                <a:schemeClr val="bg2">
+                  <a:lumMod val="25000"/>
+                </a:schemeClr>
+              </a:solidFill>
+              <a:latin typeface="Arial" panose="020B0604020202020204" pitchFamily="34" charset="0"/>
+              <a:cs typeface="Arial" panose="020B0604020202020204" pitchFamily="34" charset="0"/>
+            </a:endParaRPr>
+          </a:p>
+        </p:txBody>
+      </p:sp>
+      <p:cxnSp>
+        <p:nvCxnSpPr>
+          <p:cNvPr id="112" name="직선 연결선 111"/>
+          <p:cNvCxnSpPr/>
+          <p:nvPr/>
+        </p:nvCxnSpPr>
+        <p:spPr>
+          <a:xfrm>
+            <a:off x="11169866" y="3701214"/>
+            <a:ext cx="1" cy="252000"/>
+          </a:xfrm>
+          <a:prstGeom prst="line">
+            <a:avLst/>
+          </a:prstGeom>
+          <a:ln w="19050">
+            <a:solidFill>
+              <a:schemeClr val="bg2">
+                <a:lumMod val="25000"/>
+              </a:schemeClr>
+            </a:solidFill>
+          </a:ln>
+        </p:spPr>
+        <p:style>
+          <a:lnRef idx="1">
+            <a:schemeClr val="accent1"/>
+          </a:lnRef>
+          <a:fillRef idx="0">
+            <a:schemeClr val="accent1"/>
+          </a:fillRef>
+          <a:effectRef idx="0">
+            <a:schemeClr val="accent1"/>
+          </a:effectRef>
+          <a:fontRef idx="minor">
+            <a:schemeClr val="tx1"/>
+          </a:fontRef>
+        </p:style>
+      </p:cxnSp>
+      <p:cxnSp>
+        <p:nvCxnSpPr>
+          <p:cNvPr id="113" name="직선 연결선 112"/>
+          <p:cNvCxnSpPr/>
+          <p:nvPr/>
+        </p:nvCxnSpPr>
+        <p:spPr>
+          <a:xfrm flipH="1" flipV="1">
+            <a:off x="10756269" y="3953084"/>
+            <a:ext cx="900000" cy="0"/>
+          </a:xfrm>
+          <a:prstGeom prst="line">
+            <a:avLst/>
+          </a:prstGeom>
+          <a:ln w="19050">
+            <a:solidFill>
+              <a:schemeClr val="bg2">
+                <a:lumMod val="25000"/>
+              </a:schemeClr>
+            </a:solidFill>
+          </a:ln>
+        </p:spPr>
+        <p:style>
+          <a:lnRef idx="1">
+            <a:schemeClr val="accent1"/>
+          </a:lnRef>
+          <a:fillRef idx="0">
+            <a:schemeClr val="accent1"/>
+          </a:fillRef>
+          <a:effectRef idx="0">
+            <a:schemeClr val="accent1"/>
+          </a:effectRef>
+          <a:fontRef idx="minor">
+            <a:schemeClr val="tx1"/>
+          </a:fontRef>
+        </p:style>
+      </p:cxnSp>
+      <p:cxnSp>
+        <p:nvCxnSpPr>
+          <p:cNvPr id="114" name="직선 연결선 113"/>
+          <p:cNvCxnSpPr/>
+          <p:nvPr/>
+        </p:nvCxnSpPr>
+        <p:spPr>
+          <a:xfrm>
+            <a:off x="10768000" y="3948471"/>
+            <a:ext cx="2331" cy="441173"/>
+          </a:xfrm>
+          <a:prstGeom prst="line">
+            <a:avLst/>
+          </a:prstGeom>
+          <a:ln w="19050">
+            <a:solidFill>
+              <a:schemeClr val="bg2">
+                <a:lumMod val="25000"/>
+              </a:schemeClr>
+            </a:solidFill>
+          </a:ln>
+        </p:spPr>
+        <p:style>
+          <a:lnRef idx="1">
+            <a:schemeClr val="accent1"/>
+          </a:lnRef>
+          <a:fillRef idx="0">
+            <a:schemeClr val="accent1"/>
+          </a:fillRef>
+          <a:effectRef idx="0">
+            <a:schemeClr val="accent1"/>
+          </a:effectRef>
+          <a:fontRef idx="minor">
+            <a:schemeClr val="tx1"/>
+          </a:fontRef>
+        </p:style>
+      </p:cxnSp>
+      <p:cxnSp>
+        <p:nvCxnSpPr>
+          <p:cNvPr id="118" name="직선 연결선 117"/>
+          <p:cNvCxnSpPr/>
+          <p:nvPr/>
+        </p:nvCxnSpPr>
+        <p:spPr>
+          <a:xfrm flipH="1">
+            <a:off x="11649919" y="3948471"/>
+            <a:ext cx="0" cy="1859020"/>
           </a:xfrm>
           <a:prstGeom prst="line">
             <a:avLst/>
@@ -6986,6 +7828,156 @@
             <a:r>
               <a:rPr lang="en-US" altLang="ko-KR" sz="1400" dirty="0" err="1" smtClean="0"/>
               <a:t>MovieCommentsList</a:t>
+            </a:r>
+            <a:endParaRPr lang="en-US" altLang="ko-KR" sz="1400" dirty="0" smtClean="0"/>
+          </a:p>
+        </p:txBody>
+      </p:sp>
+      <p:sp>
+        <p:nvSpPr>
+          <p:cNvPr id="3" name="TextBox 2"/>
+          <p:cNvSpPr txBox="1"/>
+          <p:nvPr/>
+        </p:nvSpPr>
+        <p:spPr>
+          <a:xfrm>
+            <a:off x="7582010" y="1220450"/>
+            <a:ext cx="3352910" cy="738664"/>
+          </a:xfrm>
+          <a:prstGeom prst="rect">
+            <a:avLst/>
+          </a:prstGeom>
+          <a:noFill/>
+        </p:spPr>
+        <p:txBody>
+          <a:bodyPr wrap="square" rtlCol="0">
+            <a:spAutoFit/>
+          </a:bodyPr>
+          <a:lstStyle/>
+          <a:p>
+            <a:r>
+              <a:rPr lang="en-US" altLang="ko-KR" sz="1400" dirty="0" smtClean="0"/>
+              <a:t>1.2.9. </a:t>
+            </a:r>
+            <a:r>
+              <a:rPr lang="en-US" altLang="ko-KR" sz="1400" dirty="0" err="1" smtClean="0"/>
+              <a:t>ReviewsView</a:t>
+            </a:r>
+            <a:endParaRPr lang="en-US" altLang="ko-KR" sz="1400" dirty="0" smtClean="0"/>
+          </a:p>
+          <a:p>
+            <a:r>
+              <a:rPr lang="en-US" altLang="ko-KR" sz="1400" dirty="0" smtClean="0"/>
+              <a:t>1.2.9.1. </a:t>
+            </a:r>
+            <a:r>
+              <a:rPr lang="en-US" altLang="ko-KR" sz="1400" dirty="0" err="1" smtClean="0"/>
+              <a:t>ReviewsList</a:t>
+            </a:r>
+            <a:endParaRPr lang="en-US" altLang="ko-KR" sz="1400" dirty="0" smtClean="0"/>
+          </a:p>
+          <a:p>
+            <a:endParaRPr lang="en-US" altLang="ko-KR" sz="1400" dirty="0" smtClean="0"/>
+          </a:p>
+        </p:txBody>
+      </p:sp>
+      <p:sp>
+        <p:nvSpPr>
+          <p:cNvPr id="5" name="TextBox 4"/>
+          <p:cNvSpPr txBox="1"/>
+          <p:nvPr/>
+        </p:nvSpPr>
+        <p:spPr>
+          <a:xfrm>
+            <a:off x="9386746" y="1222665"/>
+            <a:ext cx="3352910" cy="307777"/>
+          </a:xfrm>
+          <a:prstGeom prst="rect">
+            <a:avLst/>
+          </a:prstGeom>
+          <a:noFill/>
+        </p:spPr>
+        <p:txBody>
+          <a:bodyPr wrap="square" rtlCol="0">
+            <a:spAutoFit/>
+          </a:bodyPr>
+          <a:lstStyle/>
+          <a:p>
+            <a:r>
+              <a:rPr lang="en-US" altLang="ko-KR" sz="1400" dirty="0" smtClean="0"/>
+              <a:t>&lt; </a:t>
+            </a:r>
+            <a:r>
+              <a:rPr lang="en-US" altLang="ko-KR" sz="1400" dirty="0" err="1" smtClean="0"/>
+              <a:t>SearchResults</a:t>
+            </a:r>
+            <a:endParaRPr lang="en-US" altLang="ko-KR" sz="1400" dirty="0" smtClean="0"/>
+          </a:p>
+        </p:txBody>
+      </p:sp>
+      <p:sp>
+        <p:nvSpPr>
+          <p:cNvPr id="6" name="TextBox 5"/>
+          <p:cNvSpPr txBox="1"/>
+          <p:nvPr/>
+        </p:nvSpPr>
+        <p:spPr>
+          <a:xfrm>
+            <a:off x="6643547" y="699445"/>
+            <a:ext cx="3352910" cy="307777"/>
+          </a:xfrm>
+          <a:prstGeom prst="rect">
+            <a:avLst/>
+          </a:prstGeom>
+          <a:noFill/>
+        </p:spPr>
+        <p:txBody>
+          <a:bodyPr wrap="square" rtlCol="0">
+            <a:spAutoFit/>
+          </a:bodyPr>
+          <a:lstStyle/>
+          <a:p>
+            <a:r>
+              <a:rPr lang="en-US" altLang="ko-KR" sz="1400" dirty="0" smtClean="0"/>
+              <a:t>&lt; </a:t>
+            </a:r>
+            <a:r>
+              <a:rPr lang="en-US" altLang="ko-KR" sz="1400" dirty="0" err="1" smtClean="0"/>
+              <a:t>HomeView</a:t>
+            </a:r>
+            <a:endParaRPr lang="en-US" altLang="ko-KR" sz="1400" dirty="0" smtClean="0"/>
+          </a:p>
+        </p:txBody>
+      </p:sp>
+      <p:sp>
+        <p:nvSpPr>
+          <p:cNvPr id="7" name="TextBox 6"/>
+          <p:cNvSpPr txBox="1"/>
+          <p:nvPr/>
+        </p:nvSpPr>
+        <p:spPr>
+          <a:xfrm>
+            <a:off x="6643547" y="5882396"/>
+            <a:ext cx="3352910" cy="307777"/>
+          </a:xfrm>
+          <a:prstGeom prst="rect">
+            <a:avLst/>
+          </a:prstGeom>
+          <a:noFill/>
+        </p:spPr>
+        <p:txBody>
+          <a:bodyPr wrap="square" rtlCol="0">
+            <a:spAutoFit/>
+          </a:bodyPr>
+          <a:lstStyle/>
+          <a:p>
+            <a:r>
+              <a:rPr lang="en-US" altLang="ko-KR" sz="1400" dirty="0" smtClean="0"/>
+              <a:t>&lt; </a:t>
+            </a:r>
+            <a:r>
+              <a:rPr lang="en-US" altLang="ko-KR" sz="1400" dirty="0" err="1" smtClean="0"/>
+              <a:t>ageBarView</a:t>
             </a:r>
             <a:endParaRPr lang="en-US" altLang="ko-KR" sz="1400" dirty="0" smtClean="0"/>
           </a:p>
